--- a/indicare.pptx
+++ b/indicare.pptx
@@ -3037,7 +3037,7 @@
                   </a:outerShdw>
                 </a:effectLst>
               </a:rPr>
-              <a:t>InDiCare</a:t>
+              <a:t>IDiCare</a:t>
             </a:r>
             <a:r>
               <a:rPr lang="en-US" b="1" dirty="0" smtClean="0">
@@ -3158,7 +3158,7 @@
         </p:nvSpPr>
         <p:spPr>
           <a:xfrm>
-            <a:off x="3448595" y="3719603"/>
+            <a:off x="2959197" y="3719603"/>
             <a:ext cx="6100354" cy="1792923"/>
           </a:xfrm>
         </p:spPr>
@@ -3168,7 +3168,6 @@
           </a:bodyPr>
           <a:lstStyle/>
           <a:p>
-            <a:pPr algn="l"/>
             <a:r>
               <a:rPr lang="en-US" dirty="0">
                 <a:ln w="0"/>
@@ -3287,7 +3286,6 @@
             </a:endParaRPr>
           </a:p>
           <a:p>
-            <a:pPr algn="l"/>
             <a:r>
               <a:rPr lang="en-US" dirty="0" err="1" smtClean="0">
                 <a:ln w="0"/>
@@ -3427,6 +3425,66 @@
                 </a:effectLst>
               </a:rPr>
               <a:t>5114100090</a:t>
+            </a:r>
+          </a:p>
+          <a:p>
+            <a:r>
+              <a:rPr lang="en-US" sz="2000" dirty="0" err="1" smtClean="0">
+                <a:ln w="0"/>
+                <a:gradFill>
+                  <a:gsLst>
+                    <a:gs pos="0">
+                      <a:schemeClr val="accent5">
+                        <a:lumMod val="50000"/>
+                      </a:schemeClr>
+                    </a:gs>
+                    <a:gs pos="50000">
+                      <a:schemeClr val="accent5"/>
+                    </a:gs>
+                    <a:gs pos="100000">
+                      <a:schemeClr val="accent5">
+                        <a:lumMod val="60000"/>
+                        <a:lumOff val="40000"/>
+                      </a:schemeClr>
+                    </a:gs>
+                  </a:gsLst>
+                  <a:lin ang="5400000"/>
+                </a:gradFill>
+                <a:effectLst>
+                  <a:reflection blurRad="6350" stA="53000" endA="300" endPos="35500" dir="5400000" sy="-90000" algn="bl" rotWithShape="0"/>
+                </a:effectLst>
+                <a:latin typeface="Times New Roman" panose="02020603050405020304" pitchFamily="18" charset="0"/>
+              </a:rPr>
+              <a:t>Nama</a:t>
+            </a:r>
+            <a:r>
+              <a:rPr lang="en-US" sz="2000" dirty="0" smtClean="0">
+                <a:ln w="0"/>
+                <a:gradFill>
+                  <a:gsLst>
+                    <a:gs pos="0">
+                      <a:schemeClr val="accent5">
+                        <a:lumMod val="50000"/>
+                      </a:schemeClr>
+                    </a:gs>
+                    <a:gs pos="50000">
+                      <a:schemeClr val="accent5"/>
+                    </a:gs>
+                    <a:gs pos="100000">
+                      <a:schemeClr val="accent5">
+                        <a:lumMod val="60000"/>
+                        <a:lumOff val="40000"/>
+                      </a:schemeClr>
+                    </a:gs>
+                  </a:gsLst>
+                  <a:lin ang="5400000"/>
+                </a:gradFill>
+                <a:effectLst>
+                  <a:reflection blurRad="6350" stA="53000" endA="300" endPos="35500" dir="5400000" sy="-90000" algn="bl" rotWithShape="0"/>
+                </a:effectLst>
+                <a:latin typeface="Times New Roman" panose="02020603050405020304" pitchFamily="18" charset="0"/>
+              </a:rPr>
+              <a:t> Tim : 90162</a:t>
             </a:r>
             <a:endParaRPr lang="en-US" sz="2000" dirty="0">
               <a:latin typeface="Times New Roman" panose="02020603050405020304" pitchFamily="18" charset="0"/>
@@ -3703,7 +3761,71 @@
                             </p:stCondLst>
                             <p:childTnLst>
                               <p:par>
-                                <p:cTn id="22" presetID="16" presetClass="emph" presetSubtype="0" fill="hold" nodeType="clickEffect">
+                                <p:cTn id="22" presetID="6" presetClass="entr" presetSubtype="16" fill="hold" grpId="0" nodeType="clickEffect">
+                                  <p:stCondLst>
+                                    <p:cond delay="0"/>
+                                  </p:stCondLst>
+                                  <p:iterate type="lt">
+                                    <p:tmPct val="0"/>
+                                  </p:iterate>
+                                  <p:childTnLst>
+                                    <p:set>
+                                      <p:cBhvr>
+                                        <p:cTn id="23" dur="1" fill="hold">
+                                          <p:stCondLst>
+                                            <p:cond delay="0"/>
+                                          </p:stCondLst>
+                                        </p:cTn>
+                                        <p:tgtEl>
+                                          <p:spTgt spid="3">
+                                            <p:txEl>
+                                              <p:pRg st="2" end="2"/>
+                                            </p:txEl>
+                                          </p:spTgt>
+                                        </p:tgtEl>
+                                        <p:attrNameLst>
+                                          <p:attrName>style.visibility</p:attrName>
+                                        </p:attrNameLst>
+                                      </p:cBhvr>
+                                      <p:to>
+                                        <p:strVal val="visible"/>
+                                      </p:to>
+                                    </p:set>
+                                    <p:animEffect transition="in" filter="circle(in)">
+                                      <p:cBhvr>
+                                        <p:cTn id="24" dur="2000"/>
+                                        <p:tgtEl>
+                                          <p:spTgt spid="3">
+                                            <p:txEl>
+                                              <p:pRg st="2" end="2"/>
+                                            </p:txEl>
+                                          </p:spTgt>
+                                        </p:tgtEl>
+                                      </p:cBhvr>
+                                    </p:animEffect>
+                                  </p:childTnLst>
+                                </p:cTn>
+                              </p:par>
+                            </p:childTnLst>
+                          </p:cTn>
+                        </p:par>
+                      </p:childTnLst>
+                    </p:cTn>
+                  </p:par>
+                  <p:par>
+                    <p:cTn id="25" fill="hold">
+                      <p:stCondLst>
+                        <p:cond delay="indefinite"/>
+                      </p:stCondLst>
+                      <p:childTnLst>
+                        <p:par>
+                          <p:cTn id="26" fill="hold">
+                            <p:stCondLst>
+                              <p:cond delay="0"/>
+                            </p:stCondLst>
+                            <p:childTnLst>
+                              <p:par>
+                                <p:cTn id="27" presetID="16" presetClass="emph" presetSubtype="0" fill="hold" nodeType="clickEffect">
                                   <p:stCondLst>
                                     <p:cond delay="0"/>
                                   </p:stCondLst>
@@ -3713,7 +3835,7 @@
                                   <p:childTnLst>
                                     <p:set>
                                       <p:cBhvr override="childStyle">
-                                        <p:cTn id="23" dur="500" fill="hold"/>
+                                        <p:cTn id="28" dur="500" fill="hold"/>
                                         <p:tgtEl>
                                           <p:spTgt spid="3">
                                             <p:txEl>
@@ -3733,7 +3855,7 @@
                                     </p:set>
                                     <p:set>
                                       <p:cBhvr>
-                                        <p:cTn id="24" dur="500" fill="hold"/>
+                                        <p:cTn id="29" dur="500" fill="hold"/>
                                         <p:tgtEl>
                                           <p:spTgt spid="3">
                                             <p:txEl>
@@ -3753,7 +3875,7 @@
                                     </p:set>
                                     <p:set>
                                       <p:cBhvr>
-                                        <p:cTn id="25" dur="500" fill="hold"/>
+                                        <p:cTn id="30" dur="500" fill="hold"/>
                                         <p:tgtEl>
                                           <p:spTgt spid="3">
                                             <p:txEl>
@@ -3779,19 +3901,19 @@
                     </p:cTn>
                   </p:par>
                   <p:par>
-                    <p:cTn id="26" fill="hold">
+                    <p:cTn id="31" fill="hold">
                       <p:stCondLst>
                         <p:cond delay="indefinite"/>
                       </p:stCondLst>
                       <p:childTnLst>
                         <p:par>
-                          <p:cTn id="27" fill="hold">
+                          <p:cTn id="32" fill="hold">
                             <p:stCondLst>
                               <p:cond delay="0"/>
                             </p:stCondLst>
                             <p:childTnLst>
                               <p:par>
-                                <p:cTn id="28" presetID="16" presetClass="emph" presetSubtype="0" fill="hold" nodeType="clickEffect">
+                                <p:cTn id="33" presetID="16" presetClass="emph" presetSubtype="0" fill="hold" nodeType="clickEffect">
                                   <p:stCondLst>
                                     <p:cond delay="0"/>
                                   </p:stCondLst>
@@ -3801,11 +3923,11 @@
                                   <p:childTnLst>
                                     <p:set>
                                       <p:cBhvr override="childStyle">
-                                        <p:cTn id="29" dur="500" fill="hold"/>
+                                        <p:cTn id="34" dur="500" fill="hold"/>
                                         <p:tgtEl>
                                           <p:spTgt spid="3">
                                             <p:txEl>
-                                              <p:pRg st="0" end="0"/>
+                                              <p:pRg st="2" end="2"/>
                                             </p:txEl>
                                           </p:spTgt>
                                         </p:tgtEl>
@@ -3821,11 +3943,11 @@
                                     </p:set>
                                     <p:set>
                                       <p:cBhvr>
-                                        <p:cTn id="30" dur="500" fill="hold"/>
+                                        <p:cTn id="35" dur="500" fill="hold"/>
                                         <p:tgtEl>
                                           <p:spTgt spid="3">
                                             <p:txEl>
-                                              <p:pRg st="0" end="0"/>
+                                              <p:pRg st="2" end="2"/>
                                             </p:txEl>
                                           </p:spTgt>
                                         </p:tgtEl>
@@ -3841,7 +3963,95 @@
                                     </p:set>
                                     <p:set>
                                       <p:cBhvr>
-                                        <p:cTn id="31" dur="500" fill="hold"/>
+                                        <p:cTn id="36" dur="500" fill="hold"/>
+                                        <p:tgtEl>
+                                          <p:spTgt spid="3">
+                                            <p:txEl>
+                                              <p:pRg st="2" end="2"/>
+                                            </p:txEl>
+                                          </p:spTgt>
+                                        </p:tgtEl>
+                                        <p:attrNameLst>
+                                          <p:attrName>fill.type</p:attrName>
+                                        </p:attrNameLst>
+                                      </p:cBhvr>
+                                      <p:to>
+                                        <p:strVal val="solid"/>
+                                      </p:to>
+                                    </p:set>
+                                  </p:childTnLst>
+                                </p:cTn>
+                              </p:par>
+                            </p:childTnLst>
+                          </p:cTn>
+                        </p:par>
+                      </p:childTnLst>
+                    </p:cTn>
+                  </p:par>
+                  <p:par>
+                    <p:cTn id="37" fill="hold">
+                      <p:stCondLst>
+                        <p:cond delay="indefinite"/>
+                      </p:stCondLst>
+                      <p:childTnLst>
+                        <p:par>
+                          <p:cTn id="38" fill="hold">
+                            <p:stCondLst>
+                              <p:cond delay="0"/>
+                            </p:stCondLst>
+                            <p:childTnLst>
+                              <p:par>
+                                <p:cTn id="39" presetID="16" presetClass="emph" presetSubtype="0" fill="hold" nodeType="clickEffect">
+                                  <p:stCondLst>
+                                    <p:cond delay="0"/>
+                                  </p:stCondLst>
+                                  <p:iterate type="lt">
+                                    <p:tmPct val="4000"/>
+                                  </p:iterate>
+                                  <p:childTnLst>
+                                    <p:set>
+                                      <p:cBhvr override="childStyle">
+                                        <p:cTn id="40" dur="500" fill="hold"/>
+                                        <p:tgtEl>
+                                          <p:spTgt spid="3">
+                                            <p:txEl>
+                                              <p:pRg st="0" end="0"/>
+                                            </p:txEl>
+                                          </p:spTgt>
+                                        </p:tgtEl>
+                                        <p:attrNameLst>
+                                          <p:attrName>style.color</p:attrName>
+                                        </p:attrNameLst>
+                                      </p:cBhvr>
+                                      <p:to>
+                                        <p:clrVal>
+                                          <a:schemeClr val="accent2"/>
+                                        </p:clrVal>
+                                      </p:to>
+                                    </p:set>
+                                    <p:set>
+                                      <p:cBhvr>
+                                        <p:cTn id="41" dur="500" fill="hold"/>
+                                        <p:tgtEl>
+                                          <p:spTgt spid="3">
+                                            <p:txEl>
+                                              <p:pRg st="0" end="0"/>
+                                            </p:txEl>
+                                          </p:spTgt>
+                                        </p:tgtEl>
+                                        <p:attrNameLst>
+                                          <p:attrName>fillcolor</p:attrName>
+                                        </p:attrNameLst>
+                                      </p:cBhvr>
+                                      <p:to>
+                                        <p:clrVal>
+                                          <a:schemeClr val="accent2"/>
+                                        </p:clrVal>
+                                      </p:to>
+                                    </p:set>
+                                    <p:set>
+                                      <p:cBhvr>
+                                        <p:cTn id="42" dur="500" fill="hold"/>
                                         <p:tgtEl>
                                           <p:spTgt spid="3">
                                             <p:txEl>
@@ -3969,10 +4179,10 @@
           <a:p>
             <a:pPr algn="ctr"/>
             <a:r>
-              <a:rPr lang="en-US" sz="6600" dirty="0" err="1">
+              <a:rPr lang="en-US" sz="6600" dirty="0" err="1" smtClean="0">
                 <a:latin typeface="Adobe Garamond Pro Bold" panose="02020702060506020403" pitchFamily="18" charset="0"/>
               </a:rPr>
-              <a:t>InDiCare</a:t>
+              <a:t>IDiCare</a:t>
             </a:r>
             <a:endParaRPr lang="en-US" sz="6600" dirty="0">
               <a:latin typeface="Adobe Garamond Pro Bold" panose="02020702060506020403" pitchFamily="18" charset="0"/>
